--- a/groups/07-logStore/Presentations/Zwischenstand16.04.2020.pptx
+++ b/groups/07-logStore/Presentations/Zwischenstand16.04.2020.pptx
@@ -9,7 +9,12 @@
     <p:sldId id="258" r:id="rId3"/>
     <p:sldId id="259" r:id="rId4"/>
     <p:sldId id="260" r:id="rId5"/>
-    <p:sldId id="257" r:id="rId6"/>
+    <p:sldId id="261" r:id="rId6"/>
+    <p:sldId id="262" r:id="rId7"/>
+    <p:sldId id="263" r:id="rId8"/>
+    <p:sldId id="264" r:id="rId9"/>
+    <p:sldId id="265" r:id="rId10"/>
+    <p:sldId id="257" r:id="rId11"/>
   </p:sldIdLst>
   <p:sldSz cx="12192000" cy="6858000"/>
   <p:notesSz cx="6858000" cy="9144000"/>
@@ -108,6 +113,11 @@
       </a:defRPr>
     </a:lvl9pPr>
   </p:defaultTextStyle>
+  <p:extLst>
+    <p:ext uri="{EFAFB233-063F-42B5-8137-9DF3F51BA10A}">
+      <p15:sldGuideLst xmlns:p15="http://schemas.microsoft.com/office/powerpoint/2012/main"/>
+    </p:ext>
+  </p:extLst>
 </p:presentation>
 </file>
 
@@ -3425,6 +3435,119 @@
 </p:sld>
 </file>
 
+<file path=ppt/slides/slide10.xml><?xml version="1.0" encoding="utf-8"?>
+<p:sld xmlns:a="http://schemas.openxmlformats.org/drawingml/2006/main" xmlns:r="http://schemas.openxmlformats.org/officeDocument/2006/relationships" xmlns:p="http://schemas.openxmlformats.org/presentationml/2006/main">
+  <p:cSld>
+    <p:spTree>
+      <p:nvGrpSpPr>
+        <p:cNvPr id="1" name=""/>
+        <p:cNvGrpSpPr/>
+        <p:nvPr/>
+      </p:nvGrpSpPr>
+      <p:grpSpPr>
+        <a:xfrm>
+          <a:off x="0" y="0"/>
+          <a:ext cx="0" cy="0"/>
+          <a:chOff x="0" y="0"/>
+          <a:chExt cx="0" cy="0"/>
+        </a:xfrm>
+      </p:grpSpPr>
+      <p:sp>
+        <p:nvSpPr>
+          <p:cNvPr id="2" name="Titel 1">
+            <a:extLst>
+              <a:ext uri="{FF2B5EF4-FFF2-40B4-BE49-F238E27FC236}">
+                <a16:creationId xmlns:a16="http://schemas.microsoft.com/office/drawing/2014/main" id="{80EE7C52-EBE2-4AFB-ACDC-234F77B0B0C5}"/>
+              </a:ext>
+            </a:extLst>
+          </p:cNvPr>
+          <p:cNvSpPr>
+            <a:spLocks noGrp="1"/>
+          </p:cNvSpPr>
+          <p:nvPr>
+            <p:ph type="title"/>
+          </p:nvPr>
+        </p:nvSpPr>
+        <p:spPr/>
+        <p:txBody>
+          <a:bodyPr/>
+          <a:lstStyle/>
+          <a:p>
+            <a:r>
+              <a:rPr lang="en-US" dirty="0" err="1"/>
+              <a:t>Nächste</a:t>
+            </a:r>
+            <a:r>
+              <a:rPr lang="en-US" dirty="0"/>
+              <a:t> </a:t>
+            </a:r>
+            <a:r>
+              <a:rPr lang="en-US" dirty="0" err="1"/>
+              <a:t>Schritte</a:t>
+            </a:r>
+            <a:endParaRPr lang="en-US" dirty="0"/>
+          </a:p>
+        </p:txBody>
+      </p:sp>
+      <p:sp>
+        <p:nvSpPr>
+          <p:cNvPr id="3" name="Inhaltsplatzhalter 2">
+            <a:extLst>
+              <a:ext uri="{FF2B5EF4-FFF2-40B4-BE49-F238E27FC236}">
+                <a16:creationId xmlns:a16="http://schemas.microsoft.com/office/drawing/2014/main" id="{3A2E78D5-D113-4523-B264-4B2DD2E03DD9}"/>
+              </a:ext>
+            </a:extLst>
+          </p:cNvPr>
+          <p:cNvSpPr>
+            <a:spLocks noGrp="1"/>
+          </p:cNvSpPr>
+          <p:nvPr>
+            <p:ph idx="1"/>
+          </p:nvPr>
+        </p:nvSpPr>
+        <p:spPr/>
+        <p:txBody>
+          <a:bodyPr/>
+          <a:lstStyle/>
+          <a:p>
+            <a:r>
+              <a:rPr lang="de-CH" dirty="0"/>
+              <a:t>Schnittstellendefinierung beenden</a:t>
+            </a:r>
+          </a:p>
+          <a:p>
+            <a:r>
+              <a:rPr lang="de-CH" dirty="0"/>
+              <a:t>Paket-Struktur für Integration</a:t>
+            </a:r>
+          </a:p>
+          <a:p>
+            <a:r>
+              <a:rPr lang="de-CH" dirty="0"/>
+              <a:t>Implementierung der benötigten Methoden</a:t>
+            </a:r>
+          </a:p>
+          <a:p>
+            <a:r>
+              <a:rPr lang="de-CH" dirty="0"/>
+              <a:t>Produkte an Applikationsschicht implementieren</a:t>
+            </a:r>
+          </a:p>
+        </p:txBody>
+      </p:sp>
+    </p:spTree>
+    <p:extLst>
+      <p:ext uri="{BB962C8B-B14F-4D97-AF65-F5344CB8AC3E}">
+        <p14:creationId xmlns:p14="http://schemas.microsoft.com/office/powerpoint/2010/main" val="2202531652"/>
+      </p:ext>
+    </p:extLst>
+  </p:cSld>
+  <p:clrMapOvr>
+    <a:masterClrMapping/>
+  </p:clrMapOvr>
+</p:sld>
+</file>
+
 <file path=ppt/slides/slide2.xml><?xml version="1.0" encoding="utf-8"?>
 <p:sld xmlns:a="http://schemas.openxmlformats.org/drawingml/2006/main" xmlns:r="http://schemas.openxmlformats.org/officeDocument/2006/relationships" xmlns:p="http://schemas.openxmlformats.org/presentationml/2006/main">
   <p:cSld>
@@ -5091,7 +5214,7 @@
           <p:cNvPr id="2" name="Titel 1">
             <a:extLst>
               <a:ext uri="{FF2B5EF4-FFF2-40B4-BE49-F238E27FC236}">
-                <a16:creationId xmlns:a16="http://schemas.microsoft.com/office/drawing/2014/main" id="{80EE7C52-EBE2-4AFB-ACDC-234F77B0B0C5}"/>
+                <a16:creationId xmlns:a16="http://schemas.microsoft.com/office/drawing/2014/main" id="{BCEE0476-C60C-4692-AC4E-8A99B50F4A1B}"/>
               </a:ext>
             </a:extLst>
           </p:cNvPr>
@@ -5108,18 +5231,9 @@
           <a:lstStyle/>
           <a:p>
             <a:r>
-              <a:rPr lang="en-US" dirty="0" err="1"/>
-              <a:t>Nächste</a:t>
-            </a:r>
-            <a:r>
-              <a:rPr lang="en-US" dirty="0"/>
-              <a:t> </a:t>
-            </a:r>
-            <a:r>
-              <a:rPr lang="en-US" dirty="0" err="1"/>
-              <a:t>Schritte</a:t>
-            </a:r>
-            <a:endParaRPr lang="en-US" dirty="0"/>
+              <a:rPr lang="de-CH" dirty="0"/>
+              <a:t>Aktuelle Lage</a:t>
+            </a:r>
           </a:p>
         </p:txBody>
       </p:sp>
@@ -5128,7 +5242,7 @@
           <p:cNvPr id="3" name="Inhaltsplatzhalter 2">
             <a:extLst>
               <a:ext uri="{FF2B5EF4-FFF2-40B4-BE49-F238E27FC236}">
-                <a16:creationId xmlns:a16="http://schemas.microsoft.com/office/drawing/2014/main" id="{3A2E78D5-D113-4523-B264-4B2DD2E03DD9}"/>
+                <a16:creationId xmlns:a16="http://schemas.microsoft.com/office/drawing/2014/main" id="{BC7F0D53-BF40-43EB-82A2-EC0B380A6D20}"/>
               </a:ext>
             </a:extLst>
           </p:cNvPr>
@@ -5144,27 +5258,51 @@
           <a:bodyPr/>
           <a:lstStyle/>
           <a:p>
+            <a:pPr marL="0" indent="0">
+              <a:buNone/>
+            </a:pPr>
             <a:r>
               <a:rPr lang="de-CH" dirty="0"/>
-              <a:t>Schnittstellendefinierung beenden</a:t>
+              <a:t>Kontakt mit verschiedenen gruppen:</a:t>
             </a:r>
           </a:p>
           <a:p>
             <a:r>
               <a:rPr lang="de-CH" dirty="0"/>
-              <a:t>Paket-Struktur für Integration</a:t>
+              <a:t>Gruppe 3</a:t>
             </a:r>
           </a:p>
           <a:p>
             <a:r>
               <a:rPr lang="de-CH" dirty="0"/>
-              <a:t>Implementierung der benötigten Methoden</a:t>
+              <a:t>Gruppe 9</a:t>
             </a:r>
           </a:p>
           <a:p>
             <a:r>
               <a:rPr lang="de-CH" dirty="0"/>
-              <a:t>Produkte an Applikationsschicht implementieren</a:t>
+              <a:t>Gruppe 10</a:t>
+            </a:r>
+          </a:p>
+          <a:p>
+            <a:r>
+              <a:rPr lang="de-CH" dirty="0"/>
+              <a:t>Gruppe 11</a:t>
+            </a:r>
+          </a:p>
+          <a:p>
+            <a:r>
+              <a:rPr lang="de-CH" dirty="0"/>
+              <a:t>Gruppe 14</a:t>
+            </a:r>
+          </a:p>
+          <a:p>
+            <a:endParaRPr lang="de-CH" dirty="0"/>
+          </a:p>
+          <a:p>
+            <a:r>
+              <a:rPr lang="de-CH" dirty="0"/>
+              <a:t>Gruppe 4 &amp; 12</a:t>
             </a:r>
           </a:p>
         </p:txBody>
@@ -5172,7 +5310,713 @@
     </p:spTree>
     <p:extLst>
       <p:ext uri="{BB962C8B-B14F-4D97-AF65-F5344CB8AC3E}">
-        <p14:creationId xmlns:p14="http://schemas.microsoft.com/office/powerpoint/2010/main" val="2202531652"/>
+        <p14:creationId xmlns:p14="http://schemas.microsoft.com/office/powerpoint/2010/main" val="4122112837"/>
+      </p:ext>
+    </p:extLst>
+  </p:cSld>
+  <p:clrMapOvr>
+    <a:masterClrMapping/>
+  </p:clrMapOvr>
+</p:sld>
+</file>
+
+<file path=ppt/slides/slide6.xml><?xml version="1.0" encoding="utf-8"?>
+<p:sld xmlns:a="http://schemas.openxmlformats.org/drawingml/2006/main" xmlns:r="http://schemas.openxmlformats.org/officeDocument/2006/relationships" xmlns:p="http://schemas.openxmlformats.org/presentationml/2006/main">
+  <p:cSld>
+    <p:spTree>
+      <p:nvGrpSpPr>
+        <p:cNvPr id="1" name=""/>
+        <p:cNvGrpSpPr/>
+        <p:nvPr/>
+      </p:nvGrpSpPr>
+      <p:grpSpPr>
+        <a:xfrm>
+          <a:off x="0" y="0"/>
+          <a:ext cx="0" cy="0"/>
+          <a:chOff x="0" y="0"/>
+          <a:chExt cx="0" cy="0"/>
+        </a:xfrm>
+      </p:grpSpPr>
+      <p:sp>
+        <p:nvSpPr>
+          <p:cNvPr id="2" name="Titel 1">
+            <a:extLst>
+              <a:ext uri="{FF2B5EF4-FFF2-40B4-BE49-F238E27FC236}">
+                <a16:creationId xmlns:a16="http://schemas.microsoft.com/office/drawing/2014/main" id="{65225FF4-A92C-4C43-B856-14233880F5FD}"/>
+              </a:ext>
+            </a:extLst>
+          </p:cNvPr>
+          <p:cNvSpPr>
+            <a:spLocks noGrp="1"/>
+          </p:cNvSpPr>
+          <p:nvPr>
+            <p:ph type="title"/>
+          </p:nvPr>
+        </p:nvSpPr>
+        <p:spPr/>
+        <p:txBody>
+          <a:bodyPr/>
+          <a:lstStyle/>
+          <a:p>
+            <a:r>
+              <a:rPr lang="de-CH" dirty="0"/>
+              <a:t>Kontakt mit verschiedenen Gruppen</a:t>
+            </a:r>
+          </a:p>
+        </p:txBody>
+      </p:sp>
+      <p:sp>
+        <p:nvSpPr>
+          <p:cNvPr id="4" name="Textplatzhalter 3">
+            <a:extLst>
+              <a:ext uri="{FF2B5EF4-FFF2-40B4-BE49-F238E27FC236}">
+                <a16:creationId xmlns:a16="http://schemas.microsoft.com/office/drawing/2014/main" id="{C324D6FD-6F10-44EF-BC1C-19F7B2D3FDEA}"/>
+              </a:ext>
+            </a:extLst>
+          </p:cNvPr>
+          <p:cNvSpPr>
+            <a:spLocks noGrp="1"/>
+          </p:cNvSpPr>
+          <p:nvPr>
+            <p:ph type="body" idx="1"/>
+          </p:nvPr>
+        </p:nvSpPr>
+        <p:spPr/>
+        <p:txBody>
+          <a:bodyPr>
+            <a:normAutofit/>
+          </a:bodyPr>
+          <a:lstStyle/>
+          <a:p>
+            <a:r>
+              <a:rPr lang="de-CH" sz="4000" dirty="0"/>
+              <a:t>Gruppe 3</a:t>
+            </a:r>
+          </a:p>
+        </p:txBody>
+      </p:sp>
+      <p:sp>
+        <p:nvSpPr>
+          <p:cNvPr id="3" name="Inhaltsplatzhalter 2">
+            <a:extLst>
+              <a:ext uri="{FF2B5EF4-FFF2-40B4-BE49-F238E27FC236}">
+                <a16:creationId xmlns:a16="http://schemas.microsoft.com/office/drawing/2014/main" id="{88349FB2-7881-4230-9D80-D83226AA2DA9}"/>
+              </a:ext>
+            </a:extLst>
+          </p:cNvPr>
+          <p:cNvSpPr>
+            <a:spLocks noGrp="1"/>
+          </p:cNvSpPr>
+          <p:nvPr>
+            <p:ph sz="half" idx="2"/>
+          </p:nvPr>
+        </p:nvSpPr>
+        <p:spPr/>
+        <p:txBody>
+          <a:bodyPr/>
+          <a:lstStyle/>
+          <a:p>
+            <a:pPr marL="0" indent="0">
+              <a:buNone/>
+            </a:pPr>
+            <a:r>
+              <a:rPr lang="de-CH" dirty="0"/>
+              <a:t>Kontakt via Mail und Zoom</a:t>
+            </a:r>
+          </a:p>
+          <a:p>
+            <a:pPr marL="0" indent="0">
+              <a:buNone/>
+            </a:pPr>
+            <a:r>
+              <a:rPr lang="de-CH" dirty="0"/>
+              <a:t>Gruppe wird uns eine Datei schicken, in welcher sie beschreiben welche Daten sie wie abrufen wollen.</a:t>
+            </a:r>
+          </a:p>
+          <a:p>
+            <a:pPr marL="0" indent="0">
+              <a:buNone/>
+            </a:pPr>
+            <a:endParaRPr lang="de-CH" dirty="0"/>
+          </a:p>
+        </p:txBody>
+      </p:sp>
+      <p:sp>
+        <p:nvSpPr>
+          <p:cNvPr id="5" name="Textplatzhalter 4">
+            <a:extLst>
+              <a:ext uri="{FF2B5EF4-FFF2-40B4-BE49-F238E27FC236}">
+                <a16:creationId xmlns:a16="http://schemas.microsoft.com/office/drawing/2014/main" id="{C7460D5A-ABB4-47D6-ACED-7BBD22547B02}"/>
+              </a:ext>
+            </a:extLst>
+          </p:cNvPr>
+          <p:cNvSpPr>
+            <a:spLocks noGrp="1"/>
+          </p:cNvSpPr>
+          <p:nvPr>
+            <p:ph type="body" sz="quarter" idx="3"/>
+          </p:nvPr>
+        </p:nvSpPr>
+        <p:spPr/>
+        <p:txBody>
+          <a:bodyPr>
+            <a:normAutofit/>
+          </a:bodyPr>
+          <a:lstStyle/>
+          <a:p>
+            <a:r>
+              <a:rPr lang="de-CH" sz="4000" dirty="0"/>
+              <a:t>Gruppe 9</a:t>
+            </a:r>
+          </a:p>
+        </p:txBody>
+      </p:sp>
+      <p:sp>
+        <p:nvSpPr>
+          <p:cNvPr id="6" name="Inhaltsplatzhalter 5">
+            <a:extLst>
+              <a:ext uri="{FF2B5EF4-FFF2-40B4-BE49-F238E27FC236}">
+                <a16:creationId xmlns:a16="http://schemas.microsoft.com/office/drawing/2014/main" id="{B178EBCA-1713-473C-ADF3-6A8A9B0B8D81}"/>
+              </a:ext>
+            </a:extLst>
+          </p:cNvPr>
+          <p:cNvSpPr>
+            <a:spLocks noGrp="1"/>
+          </p:cNvSpPr>
+          <p:nvPr>
+            <p:ph sz="quarter" idx="4"/>
+          </p:nvPr>
+        </p:nvSpPr>
+        <p:spPr/>
+        <p:txBody>
+          <a:bodyPr/>
+          <a:lstStyle/>
+          <a:p>
+            <a:pPr marL="0" indent="0">
+              <a:buNone/>
+            </a:pPr>
+            <a:r>
+              <a:rPr lang="de-CH" dirty="0"/>
+              <a:t>Kontakt via Mail</a:t>
+            </a:r>
+          </a:p>
+          <a:p>
+            <a:pPr marL="0" indent="0">
+              <a:buNone/>
+            </a:pPr>
+            <a:r>
+              <a:rPr lang="de-CH" dirty="0"/>
+              <a:t>Details zur von ihnen gewünscht Schnittstelle ist noch nicht ganz geklärt.</a:t>
+            </a:r>
+          </a:p>
+        </p:txBody>
+      </p:sp>
+    </p:spTree>
+    <p:extLst>
+      <p:ext uri="{BB962C8B-B14F-4D97-AF65-F5344CB8AC3E}">
+        <p14:creationId xmlns:p14="http://schemas.microsoft.com/office/powerpoint/2010/main" val="2585802407"/>
+      </p:ext>
+    </p:extLst>
+  </p:cSld>
+  <p:clrMapOvr>
+    <a:masterClrMapping/>
+  </p:clrMapOvr>
+</p:sld>
+</file>
+
+<file path=ppt/slides/slide7.xml><?xml version="1.0" encoding="utf-8"?>
+<p:sld xmlns:a="http://schemas.openxmlformats.org/drawingml/2006/main" xmlns:r="http://schemas.openxmlformats.org/officeDocument/2006/relationships" xmlns:p="http://schemas.openxmlformats.org/presentationml/2006/main">
+  <p:cSld>
+    <p:spTree>
+      <p:nvGrpSpPr>
+        <p:cNvPr id="1" name=""/>
+        <p:cNvGrpSpPr/>
+        <p:nvPr/>
+      </p:nvGrpSpPr>
+      <p:grpSpPr>
+        <a:xfrm>
+          <a:off x="0" y="0"/>
+          <a:ext cx="0" cy="0"/>
+          <a:chOff x="0" y="0"/>
+          <a:chExt cx="0" cy="0"/>
+        </a:xfrm>
+      </p:grpSpPr>
+      <p:sp>
+        <p:nvSpPr>
+          <p:cNvPr id="2" name="Titel 1">
+            <a:extLst>
+              <a:ext uri="{FF2B5EF4-FFF2-40B4-BE49-F238E27FC236}">
+                <a16:creationId xmlns:a16="http://schemas.microsoft.com/office/drawing/2014/main" id="{645DB9D4-346C-4BA0-9215-68BB3D73C0AE}"/>
+              </a:ext>
+            </a:extLst>
+          </p:cNvPr>
+          <p:cNvSpPr>
+            <a:spLocks noGrp="1"/>
+          </p:cNvSpPr>
+          <p:nvPr>
+            <p:ph type="title"/>
+          </p:nvPr>
+        </p:nvSpPr>
+        <p:spPr/>
+        <p:txBody>
+          <a:bodyPr/>
+          <a:lstStyle/>
+          <a:p>
+            <a:r>
+              <a:rPr lang="de-CH" dirty="0"/>
+              <a:t>Kontakt mit verschiedenen Gruppen</a:t>
+            </a:r>
+          </a:p>
+        </p:txBody>
+      </p:sp>
+      <p:sp>
+        <p:nvSpPr>
+          <p:cNvPr id="3" name="Textplatzhalter 2">
+            <a:extLst>
+              <a:ext uri="{FF2B5EF4-FFF2-40B4-BE49-F238E27FC236}">
+                <a16:creationId xmlns:a16="http://schemas.microsoft.com/office/drawing/2014/main" id="{A4C10929-6D74-4E25-BAD4-F818EFFB0F3C}"/>
+              </a:ext>
+            </a:extLst>
+          </p:cNvPr>
+          <p:cNvSpPr>
+            <a:spLocks noGrp="1"/>
+          </p:cNvSpPr>
+          <p:nvPr>
+            <p:ph type="body" idx="1"/>
+          </p:nvPr>
+        </p:nvSpPr>
+        <p:spPr/>
+        <p:txBody>
+          <a:bodyPr>
+            <a:normAutofit/>
+          </a:bodyPr>
+          <a:lstStyle/>
+          <a:p>
+            <a:r>
+              <a:rPr lang="de-CH" sz="4000" dirty="0"/>
+              <a:t>Gruppe 10	</a:t>
+            </a:r>
+          </a:p>
+        </p:txBody>
+      </p:sp>
+      <p:sp>
+        <p:nvSpPr>
+          <p:cNvPr id="4" name="Inhaltsplatzhalter 3">
+            <a:extLst>
+              <a:ext uri="{FF2B5EF4-FFF2-40B4-BE49-F238E27FC236}">
+                <a16:creationId xmlns:a16="http://schemas.microsoft.com/office/drawing/2014/main" id="{8BD8F264-DE79-4FDB-9A4D-8F765D9820E5}"/>
+              </a:ext>
+            </a:extLst>
+          </p:cNvPr>
+          <p:cNvSpPr>
+            <a:spLocks noGrp="1"/>
+          </p:cNvSpPr>
+          <p:nvPr>
+            <p:ph sz="half" idx="2"/>
+          </p:nvPr>
+        </p:nvSpPr>
+        <p:spPr/>
+        <p:txBody>
+          <a:bodyPr/>
+          <a:lstStyle/>
+          <a:p>
+            <a:pPr marL="0" indent="0">
+              <a:buNone/>
+            </a:pPr>
+            <a:r>
+              <a:rPr lang="de-CH" dirty="0"/>
+              <a:t>Kontakt via Mail und </a:t>
+            </a:r>
+            <a:r>
+              <a:rPr lang="de-CH" dirty="0" err="1"/>
+              <a:t>Whatsapp</a:t>
+            </a:r>
+            <a:endParaRPr lang="de-CH" dirty="0"/>
+          </a:p>
+          <a:p>
+            <a:pPr marL="0" indent="0">
+              <a:buNone/>
+            </a:pPr>
+            <a:r>
+              <a:rPr lang="de-CH" dirty="0"/>
+              <a:t>Es hat sich herausgestellt, dass Gruppe 10 keine Daten von uns brauchen wird. </a:t>
+            </a:r>
+          </a:p>
+        </p:txBody>
+      </p:sp>
+      <p:sp>
+        <p:nvSpPr>
+          <p:cNvPr id="5" name="Textplatzhalter 4">
+            <a:extLst>
+              <a:ext uri="{FF2B5EF4-FFF2-40B4-BE49-F238E27FC236}">
+                <a16:creationId xmlns:a16="http://schemas.microsoft.com/office/drawing/2014/main" id="{55738B3F-39E5-4133-A715-BD44F5743C2A}"/>
+              </a:ext>
+            </a:extLst>
+          </p:cNvPr>
+          <p:cNvSpPr>
+            <a:spLocks noGrp="1"/>
+          </p:cNvSpPr>
+          <p:nvPr>
+            <p:ph type="body" sz="quarter" idx="3"/>
+          </p:nvPr>
+        </p:nvSpPr>
+        <p:spPr/>
+        <p:txBody>
+          <a:bodyPr>
+            <a:normAutofit/>
+          </a:bodyPr>
+          <a:lstStyle/>
+          <a:p>
+            <a:r>
+              <a:rPr lang="de-CH" sz="4000" dirty="0"/>
+              <a:t>Gruppe 11</a:t>
+            </a:r>
+          </a:p>
+        </p:txBody>
+      </p:sp>
+      <p:sp>
+        <p:nvSpPr>
+          <p:cNvPr id="6" name="Inhaltsplatzhalter 5">
+            <a:extLst>
+              <a:ext uri="{FF2B5EF4-FFF2-40B4-BE49-F238E27FC236}">
+                <a16:creationId xmlns:a16="http://schemas.microsoft.com/office/drawing/2014/main" id="{8E2E5502-658B-43CF-B49C-473A80553993}"/>
+              </a:ext>
+            </a:extLst>
+          </p:cNvPr>
+          <p:cNvSpPr>
+            <a:spLocks noGrp="1"/>
+          </p:cNvSpPr>
+          <p:nvPr>
+            <p:ph sz="quarter" idx="4"/>
+          </p:nvPr>
+        </p:nvSpPr>
+        <p:spPr/>
+        <p:txBody>
+          <a:bodyPr/>
+          <a:lstStyle/>
+          <a:p>
+            <a:pPr marL="0" indent="0">
+              <a:buNone/>
+            </a:pPr>
+            <a:r>
+              <a:rPr lang="de-CH" dirty="0"/>
+              <a:t>Kontakt via Mail und GitHub</a:t>
+            </a:r>
+          </a:p>
+          <a:p>
+            <a:pPr marL="0" indent="0">
+              <a:buNone/>
+            </a:pPr>
+            <a:r>
+              <a:rPr lang="de-CH" dirty="0"/>
+              <a:t>Ein Austausch hat bereits stattgefunden. Eine Schnittstelle konnte jedoch noch nicht detailliert angegeben werden.</a:t>
+            </a:r>
+          </a:p>
+        </p:txBody>
+      </p:sp>
+    </p:spTree>
+    <p:extLst>
+      <p:ext uri="{BB962C8B-B14F-4D97-AF65-F5344CB8AC3E}">
+        <p14:creationId xmlns:p14="http://schemas.microsoft.com/office/powerpoint/2010/main" val="394898111"/>
+      </p:ext>
+    </p:extLst>
+  </p:cSld>
+  <p:clrMapOvr>
+    <a:masterClrMapping/>
+  </p:clrMapOvr>
+</p:sld>
+</file>
+
+<file path=ppt/slides/slide8.xml><?xml version="1.0" encoding="utf-8"?>
+<p:sld xmlns:a="http://schemas.openxmlformats.org/drawingml/2006/main" xmlns:r="http://schemas.openxmlformats.org/officeDocument/2006/relationships" xmlns:p="http://schemas.openxmlformats.org/presentationml/2006/main">
+  <p:cSld>
+    <p:spTree>
+      <p:nvGrpSpPr>
+        <p:cNvPr id="1" name=""/>
+        <p:cNvGrpSpPr/>
+        <p:nvPr/>
+      </p:nvGrpSpPr>
+      <p:grpSpPr>
+        <a:xfrm>
+          <a:off x="0" y="0"/>
+          <a:ext cx="0" cy="0"/>
+          <a:chOff x="0" y="0"/>
+          <a:chExt cx="0" cy="0"/>
+        </a:xfrm>
+      </p:grpSpPr>
+      <p:sp>
+        <p:nvSpPr>
+          <p:cNvPr id="2" name="Titel 1">
+            <a:extLst>
+              <a:ext uri="{FF2B5EF4-FFF2-40B4-BE49-F238E27FC236}">
+                <a16:creationId xmlns:a16="http://schemas.microsoft.com/office/drawing/2014/main" id="{97A8FE2F-4650-492C-BB2C-9CF506809F97}"/>
+              </a:ext>
+            </a:extLst>
+          </p:cNvPr>
+          <p:cNvSpPr>
+            <a:spLocks noGrp="1"/>
+          </p:cNvSpPr>
+          <p:nvPr>
+            <p:ph type="title"/>
+          </p:nvPr>
+        </p:nvSpPr>
+        <p:spPr/>
+        <p:txBody>
+          <a:bodyPr/>
+          <a:lstStyle/>
+          <a:p>
+            <a:r>
+              <a:rPr lang="de-CH" dirty="0"/>
+              <a:t>Kontakt mit verschiedenen Gruppen</a:t>
+            </a:r>
+          </a:p>
+        </p:txBody>
+      </p:sp>
+      <p:sp>
+        <p:nvSpPr>
+          <p:cNvPr id="3" name="Textplatzhalter 2">
+            <a:extLst>
+              <a:ext uri="{FF2B5EF4-FFF2-40B4-BE49-F238E27FC236}">
+                <a16:creationId xmlns:a16="http://schemas.microsoft.com/office/drawing/2014/main" id="{20A33EF7-53B2-43A8-BD58-390A8ADC3DC7}"/>
+              </a:ext>
+            </a:extLst>
+          </p:cNvPr>
+          <p:cNvSpPr>
+            <a:spLocks noGrp="1"/>
+          </p:cNvSpPr>
+          <p:nvPr>
+            <p:ph type="body" idx="1"/>
+          </p:nvPr>
+        </p:nvSpPr>
+        <p:spPr/>
+        <p:txBody>
+          <a:bodyPr>
+            <a:normAutofit/>
+          </a:bodyPr>
+          <a:lstStyle/>
+          <a:p>
+            <a:r>
+              <a:rPr lang="de-CH" sz="4000" dirty="0"/>
+              <a:t>Gruppe 14</a:t>
+            </a:r>
+          </a:p>
+        </p:txBody>
+      </p:sp>
+      <p:sp>
+        <p:nvSpPr>
+          <p:cNvPr id="4" name="Inhaltsplatzhalter 3">
+            <a:extLst>
+              <a:ext uri="{FF2B5EF4-FFF2-40B4-BE49-F238E27FC236}">
+                <a16:creationId xmlns:a16="http://schemas.microsoft.com/office/drawing/2014/main" id="{17373998-1285-4453-BAD7-0C0AD8CA3FC7}"/>
+              </a:ext>
+            </a:extLst>
+          </p:cNvPr>
+          <p:cNvSpPr>
+            <a:spLocks noGrp="1"/>
+          </p:cNvSpPr>
+          <p:nvPr>
+            <p:ph sz="half" idx="2"/>
+          </p:nvPr>
+        </p:nvSpPr>
+        <p:spPr/>
+        <p:txBody>
+          <a:bodyPr/>
+          <a:lstStyle/>
+          <a:p>
+            <a:pPr marL="0" indent="0">
+              <a:buNone/>
+            </a:pPr>
+            <a:r>
+              <a:rPr lang="de-CH" dirty="0"/>
+              <a:t>Kontakt via Mail</a:t>
+            </a:r>
+          </a:p>
+          <a:p>
+            <a:pPr marL="0" indent="0">
+              <a:buNone/>
+            </a:pPr>
+            <a:r>
+              <a:rPr lang="de-CH" dirty="0"/>
+              <a:t>Grobe Details zur Schnittstelle wurden ausgetauscht. Muss jedoch noch detaillierter vervollständigt werden.</a:t>
+            </a:r>
+          </a:p>
+        </p:txBody>
+      </p:sp>
+      <p:sp>
+        <p:nvSpPr>
+          <p:cNvPr id="5" name="Textplatzhalter 4">
+            <a:extLst>
+              <a:ext uri="{FF2B5EF4-FFF2-40B4-BE49-F238E27FC236}">
+                <a16:creationId xmlns:a16="http://schemas.microsoft.com/office/drawing/2014/main" id="{40C940A2-8606-48E6-8751-17A96C8F0332}"/>
+              </a:ext>
+            </a:extLst>
+          </p:cNvPr>
+          <p:cNvSpPr>
+            <a:spLocks noGrp="1"/>
+          </p:cNvSpPr>
+          <p:nvPr>
+            <p:ph type="body" sz="quarter" idx="3"/>
+          </p:nvPr>
+        </p:nvSpPr>
+        <p:spPr/>
+        <p:txBody>
+          <a:bodyPr>
+            <a:normAutofit/>
+          </a:bodyPr>
+          <a:lstStyle/>
+          <a:p>
+            <a:r>
+              <a:rPr lang="de-CH" sz="4000" dirty="0"/>
+              <a:t>Gruppe 4 &amp; 12</a:t>
+            </a:r>
+          </a:p>
+        </p:txBody>
+      </p:sp>
+      <p:sp>
+        <p:nvSpPr>
+          <p:cNvPr id="6" name="Inhaltsplatzhalter 5">
+            <a:extLst>
+              <a:ext uri="{FF2B5EF4-FFF2-40B4-BE49-F238E27FC236}">
+                <a16:creationId xmlns:a16="http://schemas.microsoft.com/office/drawing/2014/main" id="{66C318C2-BB04-47C6-8333-E56E922353C0}"/>
+              </a:ext>
+            </a:extLst>
+          </p:cNvPr>
+          <p:cNvSpPr>
+            <a:spLocks noGrp="1"/>
+          </p:cNvSpPr>
+          <p:nvPr>
+            <p:ph sz="quarter" idx="4"/>
+          </p:nvPr>
+        </p:nvSpPr>
+        <p:spPr/>
+        <p:txBody>
+          <a:bodyPr/>
+          <a:lstStyle/>
+          <a:p>
+            <a:pPr marL="0" indent="0">
+              <a:buNone/>
+            </a:pPr>
+            <a:r>
+              <a:rPr lang="de-CH" dirty="0"/>
+              <a:t>Kontakt via Zoom</a:t>
+            </a:r>
+          </a:p>
+          <a:p>
+            <a:pPr marL="0" indent="0">
+              <a:buNone/>
+            </a:pPr>
+            <a:r>
+              <a:rPr lang="de-CH" dirty="0"/>
+              <a:t>Erster Kontakt war mit diesen Gruppen. Rasche Arbeitsaufteilung der Gruppe auf der Gleichen Ebene im Projekt. Erste Ideen zur Schnittstelle wurden ausgetauscht.</a:t>
+            </a:r>
+          </a:p>
+        </p:txBody>
+      </p:sp>
+    </p:spTree>
+    <p:extLst>
+      <p:ext uri="{BB962C8B-B14F-4D97-AF65-F5344CB8AC3E}">
+        <p14:creationId xmlns:p14="http://schemas.microsoft.com/office/powerpoint/2010/main" val="265409489"/>
+      </p:ext>
+    </p:extLst>
+  </p:cSld>
+  <p:clrMapOvr>
+    <a:masterClrMapping/>
+  </p:clrMapOvr>
+</p:sld>
+</file>
+
+<file path=ppt/slides/slide9.xml><?xml version="1.0" encoding="utf-8"?>
+<p:sld xmlns:a="http://schemas.openxmlformats.org/drawingml/2006/main" xmlns:r="http://schemas.openxmlformats.org/officeDocument/2006/relationships" xmlns:p="http://schemas.openxmlformats.org/presentationml/2006/main">
+  <p:cSld>
+    <p:spTree>
+      <p:nvGrpSpPr>
+        <p:cNvPr id="1" name=""/>
+        <p:cNvGrpSpPr/>
+        <p:nvPr/>
+      </p:nvGrpSpPr>
+      <p:grpSpPr>
+        <a:xfrm>
+          <a:off x="0" y="0"/>
+          <a:ext cx="0" cy="0"/>
+          <a:chOff x="0" y="0"/>
+          <a:chExt cx="0" cy="0"/>
+        </a:xfrm>
+      </p:grpSpPr>
+      <p:sp>
+        <p:nvSpPr>
+          <p:cNvPr id="2" name="Titel 1">
+            <a:extLst>
+              <a:ext uri="{FF2B5EF4-FFF2-40B4-BE49-F238E27FC236}">
+                <a16:creationId xmlns:a16="http://schemas.microsoft.com/office/drawing/2014/main" id="{714C894A-FC69-433E-A27E-F0DED11FCAC6}"/>
+              </a:ext>
+            </a:extLst>
+          </p:cNvPr>
+          <p:cNvSpPr>
+            <a:spLocks noGrp="1"/>
+          </p:cNvSpPr>
+          <p:nvPr>
+            <p:ph type="title"/>
+          </p:nvPr>
+        </p:nvSpPr>
+        <p:spPr/>
+        <p:txBody>
+          <a:bodyPr/>
+          <a:lstStyle/>
+          <a:p>
+            <a:r>
+              <a:rPr lang="de-CH" dirty="0"/>
+              <a:t>Fazit Kommunikation</a:t>
+            </a:r>
+          </a:p>
+        </p:txBody>
+      </p:sp>
+      <p:sp>
+        <p:nvSpPr>
+          <p:cNvPr id="8" name="Inhaltsplatzhalter 7">
+            <a:extLst>
+              <a:ext uri="{FF2B5EF4-FFF2-40B4-BE49-F238E27FC236}">
+                <a16:creationId xmlns:a16="http://schemas.microsoft.com/office/drawing/2014/main" id="{0D555C5C-83B1-46A6-A024-0B515FD92BC6}"/>
+              </a:ext>
+            </a:extLst>
+          </p:cNvPr>
+          <p:cNvSpPr>
+            <a:spLocks noGrp="1"/>
+          </p:cNvSpPr>
+          <p:nvPr>
+            <p:ph idx="1"/>
+          </p:nvPr>
+        </p:nvSpPr>
+        <p:spPr/>
+        <p:txBody>
+          <a:bodyPr/>
+          <a:lstStyle/>
+          <a:p>
+            <a:r>
+              <a:rPr lang="de-CH" dirty="0"/>
+              <a:t>Kommunikation schwieriger als gedacht</a:t>
+            </a:r>
+          </a:p>
+          <a:p>
+            <a:r>
+              <a:rPr lang="de-CH" dirty="0"/>
+              <a:t>Viel Kontakt zu vielen Gruppen</a:t>
+            </a:r>
+          </a:p>
+          <a:p>
+            <a:r>
+              <a:rPr lang="de-CH" dirty="0"/>
+              <a:t>Fehlende Informationen für Schnittstellen</a:t>
+            </a:r>
+          </a:p>
+          <a:p>
+            <a:endParaRPr lang="de-CH" dirty="0"/>
+          </a:p>
+        </p:txBody>
+      </p:sp>
+    </p:spTree>
+    <p:extLst>
+      <p:ext uri="{BB962C8B-B14F-4D97-AF65-F5344CB8AC3E}">
+        <p14:creationId xmlns:p14="http://schemas.microsoft.com/office/powerpoint/2010/main" val="106824082"/>
       </p:ext>
     </p:extLst>
   </p:cSld>

--- a/groups/07-logStore/Presentations/Zwischenstand16.04.2020.pptx
+++ b/groups/07-logStore/Presentations/Zwischenstand16.04.2020.pptx
@@ -5263,7 +5263,7 @@
             </a:pPr>
             <a:r>
               <a:rPr lang="de-CH" dirty="0"/>
-              <a:t>Kontakt mit verschiedenen gruppen:</a:t>
+              <a:t>Kontakt mit verschiedenen Gruppen:</a:t>
             </a:r>
           </a:p>
           <a:p>
